--- a/documents/個人制作.pptx
+++ b/documents/個人制作.pptx
@@ -12,8 +12,7 @@
     <p:sldId id="258" r:id="rId6"/>
     <p:sldId id="259" r:id="rId7"/>
     <p:sldId id="260" r:id="rId8"/>
-    <p:sldId id="262" r:id="rId9"/>
-    <p:sldId id="264" r:id="rId10"/>
+    <p:sldId id="264" r:id="rId9"/>
   </p:sldIdLst>
   <p:sldSz cx="12192000" cy="6858000"/>
   <p:notesSz cx="6858000" cy="9144000"/>
@@ -251,7 +250,7 @@
           <a:p>
             <a:fld id="{D1BC41C6-B113-410A-8ABA-73A1AFFDE758}" type="datetimeFigureOut">
               <a:rPr kumimoji="1" lang="ja-JP" altLang="en-US" smtClean="0"/>
-              <a:t>2017/9/8</a:t>
+              <a:t>2017/10/12</a:t>
             </a:fld>
             <a:endParaRPr kumimoji="1" lang="ja-JP" altLang="en-US"/>
           </a:p>
@@ -453,7 +452,7 @@
           <a:p>
             <a:fld id="{D1BC41C6-B113-410A-8ABA-73A1AFFDE758}" type="datetimeFigureOut">
               <a:rPr kumimoji="1" lang="ja-JP" altLang="en-US" smtClean="0"/>
-              <a:t>2017/9/8</a:t>
+              <a:t>2017/10/12</a:t>
             </a:fld>
             <a:endParaRPr kumimoji="1" lang="ja-JP" altLang="en-US"/>
           </a:p>
@@ -665,7 +664,7 @@
           <a:p>
             <a:fld id="{D1BC41C6-B113-410A-8ABA-73A1AFFDE758}" type="datetimeFigureOut">
               <a:rPr kumimoji="1" lang="ja-JP" altLang="en-US" smtClean="0"/>
-              <a:t>2017/9/8</a:t>
+              <a:t>2017/10/12</a:t>
             </a:fld>
             <a:endParaRPr kumimoji="1" lang="ja-JP" altLang="en-US"/>
           </a:p>
@@ -867,7 +866,7 @@
           <a:p>
             <a:fld id="{D1BC41C6-B113-410A-8ABA-73A1AFFDE758}" type="datetimeFigureOut">
               <a:rPr kumimoji="1" lang="ja-JP" altLang="en-US" smtClean="0"/>
-              <a:t>2017/9/8</a:t>
+              <a:t>2017/10/12</a:t>
             </a:fld>
             <a:endParaRPr kumimoji="1" lang="ja-JP" altLang="en-US"/>
           </a:p>
@@ -1113,7 +1112,7 @@
           <a:p>
             <a:fld id="{D1BC41C6-B113-410A-8ABA-73A1AFFDE758}" type="datetimeFigureOut">
               <a:rPr kumimoji="1" lang="ja-JP" altLang="en-US" smtClean="0"/>
-              <a:t>2017/9/8</a:t>
+              <a:t>2017/10/12</a:t>
             </a:fld>
             <a:endParaRPr kumimoji="1" lang="ja-JP" altLang="en-US"/>
           </a:p>
@@ -1409,7 +1408,7 @@
           <a:p>
             <a:fld id="{D1BC41C6-B113-410A-8ABA-73A1AFFDE758}" type="datetimeFigureOut">
               <a:rPr kumimoji="1" lang="ja-JP" altLang="en-US" smtClean="0"/>
-              <a:t>2017/9/8</a:t>
+              <a:t>2017/10/12</a:t>
             </a:fld>
             <a:endParaRPr kumimoji="1" lang="ja-JP" altLang="en-US"/>
           </a:p>
@@ -1840,7 +1839,7 @@
           <a:p>
             <a:fld id="{D1BC41C6-B113-410A-8ABA-73A1AFFDE758}" type="datetimeFigureOut">
               <a:rPr kumimoji="1" lang="ja-JP" altLang="en-US" smtClean="0"/>
-              <a:t>2017/9/8</a:t>
+              <a:t>2017/10/12</a:t>
             </a:fld>
             <a:endParaRPr kumimoji="1" lang="ja-JP" altLang="en-US"/>
           </a:p>
@@ -1958,7 +1957,7 @@
           <a:p>
             <a:fld id="{D1BC41C6-B113-410A-8ABA-73A1AFFDE758}" type="datetimeFigureOut">
               <a:rPr kumimoji="1" lang="ja-JP" altLang="en-US" smtClean="0"/>
-              <a:t>2017/9/8</a:t>
+              <a:t>2017/10/12</a:t>
             </a:fld>
             <a:endParaRPr kumimoji="1" lang="ja-JP" altLang="en-US"/>
           </a:p>
@@ -2053,7 +2052,7 @@
           <a:p>
             <a:fld id="{D1BC41C6-B113-410A-8ABA-73A1AFFDE758}" type="datetimeFigureOut">
               <a:rPr kumimoji="1" lang="ja-JP" altLang="en-US" smtClean="0"/>
-              <a:t>2017/9/8</a:t>
+              <a:t>2017/10/12</a:t>
             </a:fld>
             <a:endParaRPr kumimoji="1" lang="ja-JP" altLang="en-US"/>
           </a:p>
@@ -2362,7 +2361,7 @@
           <a:p>
             <a:fld id="{D1BC41C6-B113-410A-8ABA-73A1AFFDE758}" type="datetimeFigureOut">
               <a:rPr kumimoji="1" lang="ja-JP" altLang="en-US" smtClean="0"/>
-              <a:t>2017/9/8</a:t>
+              <a:t>2017/10/12</a:t>
             </a:fld>
             <a:endParaRPr kumimoji="1" lang="ja-JP" altLang="en-US"/>
           </a:p>
@@ -2615,7 +2614,7 @@
           <a:p>
             <a:fld id="{D1BC41C6-B113-410A-8ABA-73A1AFFDE758}" type="datetimeFigureOut">
               <a:rPr kumimoji="1" lang="ja-JP" altLang="en-US" smtClean="0"/>
-              <a:t>2017/9/8</a:t>
+              <a:t>2017/10/12</a:t>
             </a:fld>
             <a:endParaRPr kumimoji="1" lang="ja-JP" altLang="en-US"/>
           </a:p>
@@ -2860,7 +2859,7 @@
           <a:p>
             <a:fld id="{D1BC41C6-B113-410A-8ABA-73A1AFFDE758}" type="datetimeFigureOut">
               <a:rPr kumimoji="1" lang="ja-JP" altLang="en-US" smtClean="0"/>
-              <a:t>2017/9/8</a:t>
+              <a:t>2017/10/12</a:t>
             </a:fld>
             <a:endParaRPr kumimoji="1" lang="ja-JP" altLang="en-US"/>
           </a:p>
@@ -3479,20 +3478,47 @@
               <a:rPr kumimoji="1" lang="en-US" altLang="ja-JP" dirty="0" smtClean="0"/>
               <a:t>Breath of the Wild</a:t>
             </a:r>
+            <a:r>
+              <a:rPr lang="ja-JP" altLang="en-US" dirty="0" smtClean="0"/>
+              <a:t>の戦闘</a:t>
+            </a:r>
+            <a:r>
+              <a:rPr lang="ja-JP" altLang="en-US" dirty="0" smtClean="0"/>
+              <a:t>部分</a:t>
+            </a:r>
+            <a:endParaRPr lang="en-US" altLang="ja-JP" dirty="0" smtClean="0"/>
           </a:p>
           <a:p>
             <a:pPr marL="0" indent="0">
               <a:buNone/>
             </a:pPr>
-            <a:r>
-              <a:rPr lang="en-US" altLang="ja-JP" dirty="0"/>
-              <a:t>	</a:t>
-            </a:r>
+            <a:endParaRPr lang="en-US" altLang="ja-JP" dirty="0" smtClean="0"/>
+          </a:p>
+          <a:p>
+            <a:pPr marL="0" indent="0">
+              <a:buNone/>
+            </a:pPr>
             <a:r>
               <a:rPr lang="ja-JP" altLang="en-US" dirty="0" smtClean="0"/>
-              <a:t>やりたいことと完全に一致していたため参考にします。</a:t>
-            </a:r>
-            <a:endParaRPr kumimoji="1" lang="ja-JP" altLang="en-US" dirty="0"/>
+              <a:t>プレイヤーの攻撃</a:t>
+            </a:r>
+            <a:endParaRPr lang="en-US" altLang="ja-JP" dirty="0" smtClean="0"/>
+          </a:p>
+          <a:p>
+            <a:pPr marL="0" indent="0">
+              <a:buNone/>
+            </a:pPr>
+            <a:r>
+              <a:rPr lang="ja-JP" altLang="en-US" dirty="0" smtClean="0"/>
+              <a:t>カメラ</a:t>
+            </a:r>
+            <a:endParaRPr lang="en-US" altLang="ja-JP" dirty="0" smtClean="0"/>
+          </a:p>
+          <a:p>
+            <a:pPr marL="0" indent="0">
+              <a:buNone/>
+            </a:pPr>
+            <a:endParaRPr lang="en-US" altLang="ja-JP" dirty="0" smtClean="0"/>
           </a:p>
         </p:txBody>
       </p:sp>
@@ -3565,35 +3591,6 @@
           <a:lstStyle/>
           <a:p>
             <a:r>
-              <a:rPr kumimoji="1" lang="ja-JP" altLang="en-US" dirty="0" smtClean="0"/>
-              <a:t>キャラクターに話しかけて会話</a:t>
-            </a:r>
-            <a:endParaRPr kumimoji="1" lang="en-US" altLang="ja-JP" dirty="0" smtClean="0"/>
-          </a:p>
-          <a:p>
-            <a:r>
-              <a:rPr lang="ja-JP" altLang="en-US" dirty="0" smtClean="0"/>
-              <a:t>動くまたは動かないモデルに登る</a:t>
-            </a:r>
-            <a:endParaRPr lang="en-US" altLang="ja-JP" dirty="0" smtClean="0"/>
-          </a:p>
-          <a:p>
-            <a:r>
-              <a:rPr kumimoji="1" lang="ja-JP" altLang="en-US" dirty="0" smtClean="0"/>
-              <a:t>３</a:t>
-            </a:r>
-            <a:r>
-              <a:rPr kumimoji="1" lang="en-US" altLang="ja-JP" dirty="0" smtClean="0"/>
-              <a:t>D</a:t>
-            </a:r>
-            <a:r>
-              <a:rPr kumimoji="1" lang="ja-JP" altLang="en-US" dirty="0" smtClean="0"/>
-              <a:t>空間を歩き回る</a:t>
-            </a:r>
-            <a:endParaRPr kumimoji="1" lang="en-US" altLang="ja-JP" dirty="0" smtClean="0"/>
-          </a:p>
-          <a:p>
-            <a:r>
               <a:rPr lang="ja-JP" altLang="en-US" dirty="0" smtClean="0"/>
               <a:t>弓矢で敵を攻撃する</a:t>
             </a:r>
@@ -3601,14 +3598,25 @@
           </a:p>
           <a:p>
             <a:r>
+              <a:rPr kumimoji="1" lang="ja-JP" altLang="en-US" dirty="0" smtClean="0"/>
+              <a:t>コンボ</a:t>
+            </a:r>
+            <a:r>
+              <a:rPr kumimoji="1" lang="ja-JP" altLang="en-US" dirty="0" smtClean="0"/>
+              <a:t>攻撃</a:t>
+            </a:r>
+            <a:endParaRPr lang="en-US" altLang="ja-JP" dirty="0"/>
+          </a:p>
+          <a:p>
+            <a:r>
               <a:rPr kumimoji="1" lang="ja-JP" altLang="en-US" dirty="0"/>
-              <a:t>剣</a:t>
+              <a:t>敵</a:t>
             </a:r>
             <a:r>
               <a:rPr kumimoji="1" lang="ja-JP" altLang="en-US" dirty="0" smtClean="0"/>
-              <a:t>を振ってコンボ攻撃</a:t>
-            </a:r>
-            <a:endParaRPr kumimoji="1" lang="ja-JP" altLang="en-US" dirty="0"/>
+              <a:t>の攻撃を盾を使ってパリイする</a:t>
+            </a:r>
+            <a:endParaRPr kumimoji="1" lang="en-US" altLang="ja-JP" dirty="0" smtClean="0"/>
           </a:p>
         </p:txBody>
       </p:sp>
@@ -3699,14 +3707,7 @@
               <a:rPr lang="ja-JP" altLang="en-US" dirty="0" smtClean="0"/>
               <a:t>描画）</a:t>
             </a:r>
-            <a:endParaRPr lang="en-US" altLang="ja-JP" dirty="0" smtClean="0"/>
-          </a:p>
-          <a:p>
-            <a:r>
-              <a:rPr kumimoji="1" lang="ja-JP" altLang="en-US" dirty="0" smtClean="0"/>
-              <a:t>イベントシーン</a:t>
-            </a:r>
-            <a:endParaRPr kumimoji="1" lang="en-US" altLang="ja-JP" dirty="0" smtClean="0"/>
+            <a:endParaRPr lang="en-US" altLang="ja-JP" dirty="0"/>
           </a:p>
           <a:p>
             <a:r>
@@ -3891,15 +3892,15 @@
             </a:r>
             <a:r>
               <a:rPr lang="ja-JP" altLang="en-US" dirty="0" smtClean="0"/>
-              <a:t>が作ってみたいと思ったプログラムや企業の方</a:t>
+              <a:t>が作ってみたいと思ったプログラムや企業の方に興味を持ってくれた</a:t>
             </a:r>
             <a:r>
               <a:rPr lang="ja-JP" altLang="en-US" dirty="0" smtClean="0"/>
-              <a:t>に興味を持ってくれた技術</a:t>
+              <a:t>技術、今業界で流行っている技術を組み込んでゲーム</a:t>
             </a:r>
             <a:r>
               <a:rPr lang="ja-JP" altLang="en-US" dirty="0" smtClean="0"/>
-              <a:t>を使ってゲームを作ってみたいと思ったからです。</a:t>
+              <a:t>を作ってみたいと思ったからです。</a:t>
             </a:r>
             <a:endParaRPr lang="en-US" altLang="ja-JP" dirty="0" smtClean="0"/>
           </a:p>
@@ -3911,6 +3912,12 @@
               <a:rPr kumimoji="1" lang="ja-JP" altLang="en-US" dirty="0" smtClean="0"/>
               <a:t>あとは、卒業制作や就職活動でも使えるゲームを作ろうと思っています。</a:t>
             </a:r>
+            <a:endParaRPr kumimoji="1" lang="en-US" altLang="ja-JP" dirty="0" smtClean="0"/>
+          </a:p>
+          <a:p>
+            <a:pPr marL="0" indent="0">
+              <a:buNone/>
+            </a:pPr>
             <a:endParaRPr kumimoji="1" lang="ja-JP" altLang="en-US" dirty="0"/>
           </a:p>
         </p:txBody>
@@ -3962,7 +3969,7 @@
           <a:p>
             <a:r>
               <a:rPr kumimoji="1" lang="ja-JP" altLang="en-US" dirty="0" smtClean="0"/>
-              <a:t>将来苦戦するところ</a:t>
+              <a:t>意気ごみ</a:t>
             </a:r>
             <a:endParaRPr kumimoji="1" lang="ja-JP" altLang="en-US" dirty="0"/>
           </a:p>
@@ -3983,148 +3990,85 @@
           <a:bodyPr/>
           <a:lstStyle/>
           <a:p>
+            <a:pPr marL="0" indent="0">
+              <a:buNone/>
+            </a:pPr>
             <a:r>
               <a:rPr kumimoji="1" lang="ja-JP" altLang="en-US" dirty="0" smtClean="0"/>
-              <a:t>動くまたは動かないモデルに登る</a:t>
+              <a:t>技術的なアピールを除いた部分を</a:t>
             </a:r>
             <a:endParaRPr kumimoji="1" lang="en-US" altLang="ja-JP" dirty="0" smtClean="0"/>
           </a:p>
           <a:p>
+            <a:pPr marL="0" indent="0">
+              <a:buNone/>
+            </a:pPr>
             <a:r>
               <a:rPr kumimoji="1" lang="ja-JP" altLang="en-US" dirty="0" smtClean="0"/>
-              <a:t>弓矢</a:t>
+              <a:t>ベータ版</a:t>
+            </a:r>
+            <a:r>
+              <a:rPr kumimoji="1" lang="ja-JP" altLang="en-US" dirty="0" smtClean="0"/>
+              <a:t>締め切り（</a:t>
+            </a:r>
+            <a:r>
+              <a:rPr kumimoji="1" lang="en-US" altLang="ja-JP" dirty="0" smtClean="0"/>
+              <a:t>12</a:t>
+            </a:r>
+            <a:r>
+              <a:rPr kumimoji="1" lang="ja-JP" altLang="en-US" dirty="0" smtClean="0"/>
+              <a:t>月</a:t>
+            </a:r>
+            <a:r>
+              <a:rPr kumimoji="1" lang="en-US" altLang="ja-JP" dirty="0" smtClean="0"/>
+              <a:t>15</a:t>
+            </a:r>
+            <a:r>
+              <a:rPr kumimoji="1" lang="ja-JP" altLang="en-US" dirty="0" smtClean="0"/>
+              <a:t>日）まで</a:t>
+            </a:r>
+            <a:r>
+              <a:rPr kumimoji="1" lang="ja-JP" altLang="en-US" dirty="0" smtClean="0"/>
+              <a:t>に</a:t>
             </a:r>
             <a:endParaRPr kumimoji="1" lang="en-US" altLang="ja-JP" dirty="0" smtClean="0"/>
           </a:p>
           <a:p>
-            <a:r>
-              <a:rPr lang="ja-JP" altLang="en-US" dirty="0" smtClean="0"/>
-              <a:t>イベントシーン</a:t>
-            </a:r>
-            <a:endParaRPr lang="en-US" altLang="ja-JP" dirty="0" smtClean="0"/>
-          </a:p>
-          <a:p>
-            <a:r>
-              <a:rPr kumimoji="1" lang="ja-JP" altLang="en-US" dirty="0"/>
-              <a:t>ポストエフェクト</a:t>
-            </a:r>
+            <a:pPr marL="0" indent="0">
+              <a:buNone/>
+            </a:pPr>
+            <a:r>
+              <a:rPr lang="ja-JP" altLang="en-US" smtClean="0"/>
+              <a:t>就職活動作品としての</a:t>
+            </a:r>
+            <a:r>
+              <a:rPr kumimoji="1" lang="ja-JP" altLang="en-US" smtClean="0"/>
+              <a:t>完成</a:t>
+            </a:r>
+            <a:r>
+              <a:rPr kumimoji="1" lang="ja-JP" altLang="en-US" dirty="0" smtClean="0"/>
+              <a:t>を目指しています。</a:t>
+            </a:r>
+            <a:endParaRPr kumimoji="1" lang="en-US" altLang="ja-JP" dirty="0" smtClean="0"/>
+          </a:p>
+          <a:p>
+            <a:pPr marL="0" indent="0">
+              <a:buNone/>
+            </a:pPr>
+            <a:endParaRPr kumimoji="1" lang="en-US" altLang="ja-JP" dirty="0" smtClean="0"/>
+          </a:p>
+          <a:p>
+            <a:pPr marL="0" indent="0">
+              <a:buNone/>
+            </a:pPr>
+            <a:endParaRPr kumimoji="1" lang="en-US" altLang="ja-JP" dirty="0" smtClean="0"/>
           </a:p>
         </p:txBody>
       </p:sp>
     </p:spTree>
     <p:extLst>
       <p:ext uri="{BB962C8B-B14F-4D97-AF65-F5344CB8AC3E}">
-        <p14:creationId xmlns:p14="http://schemas.microsoft.com/office/powerpoint/2010/main" val="2506541872"/>
-      </p:ext>
-    </p:extLst>
-  </p:cSld>
-  <p:clrMapOvr>
-    <a:masterClrMapping/>
-  </p:clrMapOvr>
-</p:sld>
-</file>
-
-<file path=ppt/slides/slide9.xml><?xml version="1.0" encoding="utf-8"?>
-<p:sld xmlns:a="http://schemas.openxmlformats.org/drawingml/2006/main" xmlns:r="http://schemas.openxmlformats.org/officeDocument/2006/relationships" xmlns:p="http://schemas.openxmlformats.org/presentationml/2006/main">
-  <p:cSld>
-    <p:spTree>
-      <p:nvGrpSpPr>
-        <p:cNvPr id="1" name=""/>
-        <p:cNvGrpSpPr/>
-        <p:nvPr/>
-      </p:nvGrpSpPr>
-      <p:grpSpPr>
-        <a:xfrm>
-          <a:off x="0" y="0"/>
-          <a:ext cx="0" cy="0"/>
-          <a:chOff x="0" y="0"/>
-          <a:chExt cx="0" cy="0"/>
-        </a:xfrm>
-      </p:grpSpPr>
-      <p:sp>
-        <p:nvSpPr>
-          <p:cNvPr id="2" name="タイトル 1"/>
-          <p:cNvSpPr>
-            <a:spLocks noGrp="1"/>
-          </p:cNvSpPr>
-          <p:nvPr>
-            <p:ph type="title"/>
-          </p:nvPr>
-        </p:nvSpPr>
-        <p:spPr/>
-        <p:txBody>
-          <a:bodyPr/>
-          <a:lstStyle/>
-          <a:p>
-            <a:r>
-              <a:rPr kumimoji="1" lang="ja-JP" altLang="en-US" dirty="0" smtClean="0"/>
-              <a:t>リソース</a:t>
-            </a:r>
-            <a:endParaRPr kumimoji="1" lang="ja-JP" altLang="en-US" dirty="0"/>
-          </a:p>
-        </p:txBody>
-      </p:sp>
-      <p:sp>
-        <p:nvSpPr>
-          <p:cNvPr id="3" name="コンテンツ プレースホルダー 2"/>
-          <p:cNvSpPr>
-            <a:spLocks noGrp="1"/>
-          </p:cNvSpPr>
-          <p:nvPr>
-            <p:ph idx="1"/>
-          </p:nvPr>
-        </p:nvSpPr>
-        <p:spPr/>
-        <p:txBody>
-          <a:bodyPr/>
-          <a:lstStyle/>
-          <a:p>
-            <a:pPr marL="0" indent="0">
-              <a:buNone/>
-            </a:pPr>
-            <a:r>
-              <a:rPr kumimoji="1" lang="en-US" altLang="ja-JP" dirty="0" smtClean="0"/>
-              <a:t>Unity Asset Store</a:t>
-            </a:r>
-          </a:p>
-          <a:p>
-            <a:pPr marL="0" indent="0">
-              <a:buNone/>
-            </a:pPr>
-            <a:r>
-              <a:rPr lang="en-US" altLang="ja-JP" dirty="0" err="1" smtClean="0"/>
-              <a:t>Mixamo</a:t>
-            </a:r>
-            <a:endParaRPr lang="en-US" altLang="ja-JP" dirty="0" smtClean="0"/>
-          </a:p>
-          <a:p>
-            <a:pPr marL="0" indent="0">
-              <a:buNone/>
-            </a:pPr>
-            <a:endParaRPr lang="en-US" altLang="ja-JP" dirty="0"/>
-          </a:p>
-          <a:p>
-            <a:pPr marL="0" indent="0">
-              <a:buNone/>
-            </a:pPr>
-            <a:r>
-              <a:rPr lang="ja-JP" altLang="en-US" dirty="0" smtClean="0"/>
-              <a:t>魔王魂</a:t>
-            </a:r>
-            <a:endParaRPr lang="en-US" altLang="ja-JP" dirty="0" smtClean="0"/>
-          </a:p>
-          <a:p>
-            <a:pPr marL="0" indent="0">
-              <a:buNone/>
-            </a:pPr>
-            <a:endParaRPr kumimoji="1" lang="ja-JP" altLang="en-US" dirty="0"/>
-          </a:p>
-        </p:txBody>
-      </p:sp>
-    </p:spTree>
-    <p:extLst>
-      <p:ext uri="{BB962C8B-B14F-4D97-AF65-F5344CB8AC3E}">
-        <p14:creationId xmlns:p14="http://schemas.microsoft.com/office/powerpoint/2010/main" val="615312998"/>
+        <p14:creationId xmlns:p14="http://schemas.microsoft.com/office/powerpoint/2010/main" val="1241920426"/>
       </p:ext>
     </p:extLst>
   </p:cSld>
